--- a/docs/diagrams/UndoRedoActivityDiagram.pptx
+++ b/docs/diagrams/UndoRedoActivityDiagram.pptx
@@ -1,6 +1,6 @@
 
 <file path=ppt/presentation.xml><?xml version="1.0" encoding="utf-8"?>
-<p:presentation xmlns:a="http://schemas.openxmlformats.org/drawingml/2006/main" xmlns:r="http://schemas.openxmlformats.org/officeDocument/2006/relationships" xmlns:p="http://schemas.openxmlformats.org/presentationml/2006/main" saveSubsetFonts="1">
+<p:presentation xmlns:a="http://schemas.openxmlformats.org/drawingml/2006/main" xmlns:r="http://schemas.openxmlformats.org/officeDocument/2006/relationships" xmlns:p="http://schemas.openxmlformats.org/presentationml/2006/main" removePersonalInfoOnSave="1" saveSubsetFonts="1">
   <p:sldMasterIdLst>
     <p:sldMasterId id="2147483648" r:id="rId1"/>
   </p:sldMasterIdLst>
@@ -112,10 +112,6 @@
 </p:presentation>
 </file>
 
-<file path=ppt/revisionInfo.xml><?xml version="1.0" encoding="utf-8"?>
-<p1510:revInfo xmlns:a="http://schemas.openxmlformats.org/drawingml/2006/main" xmlns:r="http://schemas.openxmlformats.org/officeDocument/2006/relationships" xmlns:p1510="http://schemas.microsoft.com/office/powerpoint/2015/10/main"/>
-</file>
-
 <file path=ppt/slideLayouts/slideLayout1.xml><?xml version="1.0" encoding="utf-8"?>
 <p:sldLayout xmlns:a="http://schemas.openxmlformats.org/drawingml/2006/main" xmlns:r="http://schemas.openxmlformats.org/officeDocument/2006/relationships" xmlns:p="http://schemas.openxmlformats.org/presentationml/2006/main" type="title" preserve="1">
   <p:cSld name="Title Slide">
@@ -265,7 +261,7 @@
           <a:p>
             <a:fld id="{542F47FF-5056-41FF-A1F8-23A414798AA4}" type="datetimeFigureOut">
               <a:rPr lang="en-SG" smtClean="0"/>
-              <a:t>6/7/2018</a:t>
+              <a:t>26 Feb 2019</a:t>
             </a:fld>
             <a:endParaRPr lang="en-SG"/>
           </a:p>
@@ -465,7 +461,7 @@
           <a:p>
             <a:fld id="{542F47FF-5056-41FF-A1F8-23A414798AA4}" type="datetimeFigureOut">
               <a:rPr lang="en-SG" smtClean="0"/>
-              <a:t>6/7/2018</a:t>
+              <a:t>26 Feb 2019</a:t>
             </a:fld>
             <a:endParaRPr lang="en-SG"/>
           </a:p>
@@ -675,7 +671,7 @@
           <a:p>
             <a:fld id="{542F47FF-5056-41FF-A1F8-23A414798AA4}" type="datetimeFigureOut">
               <a:rPr lang="en-SG" smtClean="0"/>
-              <a:t>6/7/2018</a:t>
+              <a:t>26 Feb 2019</a:t>
             </a:fld>
             <a:endParaRPr lang="en-SG"/>
           </a:p>
@@ -875,7 +871,7 @@
           <a:p>
             <a:fld id="{542F47FF-5056-41FF-A1F8-23A414798AA4}" type="datetimeFigureOut">
               <a:rPr lang="en-SG" smtClean="0"/>
-              <a:t>6/7/2018</a:t>
+              <a:t>26 Feb 2019</a:t>
             </a:fld>
             <a:endParaRPr lang="en-SG"/>
           </a:p>
@@ -1151,7 +1147,7 @@
           <a:p>
             <a:fld id="{542F47FF-5056-41FF-A1F8-23A414798AA4}" type="datetimeFigureOut">
               <a:rPr lang="en-SG" smtClean="0"/>
-              <a:t>6/7/2018</a:t>
+              <a:t>26 Feb 2019</a:t>
             </a:fld>
             <a:endParaRPr lang="en-SG"/>
           </a:p>
@@ -1419,7 +1415,7 @@
           <a:p>
             <a:fld id="{542F47FF-5056-41FF-A1F8-23A414798AA4}" type="datetimeFigureOut">
               <a:rPr lang="en-SG" smtClean="0"/>
-              <a:t>6/7/2018</a:t>
+              <a:t>26 Feb 2019</a:t>
             </a:fld>
             <a:endParaRPr lang="en-SG"/>
           </a:p>
@@ -1834,7 +1830,7 @@
           <a:p>
             <a:fld id="{542F47FF-5056-41FF-A1F8-23A414798AA4}" type="datetimeFigureOut">
               <a:rPr lang="en-SG" smtClean="0"/>
-              <a:t>6/7/2018</a:t>
+              <a:t>26 Feb 2019</a:t>
             </a:fld>
             <a:endParaRPr lang="en-SG"/>
           </a:p>
@@ -1976,7 +1972,7 @@
           <a:p>
             <a:fld id="{542F47FF-5056-41FF-A1F8-23A414798AA4}" type="datetimeFigureOut">
               <a:rPr lang="en-SG" smtClean="0"/>
-              <a:t>6/7/2018</a:t>
+              <a:t>26 Feb 2019</a:t>
             </a:fld>
             <a:endParaRPr lang="en-SG"/>
           </a:p>
@@ -2089,7 +2085,7 @@
           <a:p>
             <a:fld id="{542F47FF-5056-41FF-A1F8-23A414798AA4}" type="datetimeFigureOut">
               <a:rPr lang="en-SG" smtClean="0"/>
-              <a:t>6/7/2018</a:t>
+              <a:t>26 Feb 2019</a:t>
             </a:fld>
             <a:endParaRPr lang="en-SG"/>
           </a:p>
@@ -2402,7 +2398,7 @@
           <a:p>
             <a:fld id="{542F47FF-5056-41FF-A1F8-23A414798AA4}" type="datetimeFigureOut">
               <a:rPr lang="en-SG" smtClean="0"/>
-              <a:t>6/7/2018</a:t>
+              <a:t>26 Feb 2019</a:t>
             </a:fld>
             <a:endParaRPr lang="en-SG"/>
           </a:p>
@@ -2691,7 +2687,7 @@
           <a:p>
             <a:fld id="{542F47FF-5056-41FF-A1F8-23A414798AA4}" type="datetimeFigureOut">
               <a:rPr lang="en-SG" smtClean="0"/>
-              <a:t>6/7/2018</a:t>
+              <a:t>26 Feb 2019</a:t>
             </a:fld>
             <a:endParaRPr lang="en-SG"/>
           </a:p>
@@ -2934,7 +2930,7 @@
           <a:p>
             <a:fld id="{542F47FF-5056-41FF-A1F8-23A414798AA4}" type="datetimeFigureOut">
               <a:rPr lang="en-SG" smtClean="0"/>
-              <a:t>6/7/2018</a:t>
+              <a:t>26 Feb 2019</a:t>
             </a:fld>
             <a:endParaRPr lang="en-SG"/>
           </a:p>
@@ -3351,475 +3347,12 @@
           <a:chExt cx="0" cy="0"/>
         </a:xfrm>
       </p:grpSpPr>
-      <p:sp>
-        <p:nvSpPr>
-          <p:cNvPr id="4" name="Oval 3">
-            <a:extLst>
-              <a:ext uri="{FF2B5EF4-FFF2-40B4-BE49-F238E27FC236}">
-                <a16:creationId xmlns:a16="http://schemas.microsoft.com/office/drawing/2014/main" id="{D45F487B-A914-4C8E-B564-00C9D621567D}"/>
-              </a:ext>
-            </a:extLst>
-          </p:cNvPr>
-          <p:cNvSpPr/>
-          <p:nvPr/>
-        </p:nvSpPr>
-        <p:spPr>
-          <a:xfrm>
-            <a:off x="2680041" y="3197106"/>
-            <a:ext cx="235669" cy="235669"/>
-          </a:xfrm>
-          <a:prstGeom prst="ellipse">
-            <a:avLst/>
-          </a:prstGeom>
-        </p:spPr>
-        <p:style>
-          <a:lnRef idx="1">
-            <a:schemeClr val="accent1"/>
-          </a:lnRef>
-          <a:fillRef idx="2">
-            <a:schemeClr val="accent1"/>
-          </a:fillRef>
-          <a:effectRef idx="1">
-            <a:schemeClr val="accent1"/>
-          </a:effectRef>
-          <a:fontRef idx="minor">
-            <a:schemeClr val="dk1"/>
-          </a:fontRef>
-        </p:style>
-        <p:txBody>
-          <a:bodyPr rot="0" spcFirstLastPara="0" vertOverflow="overflow" horzOverflow="overflow" vert="horz" wrap="square" lIns="91440" tIns="45721" rIns="91440" bIns="45721" numCol="1" spcCol="0" rtlCol="0" fromWordArt="0" anchor="ctr" anchorCtr="0" forceAA="0" compatLnSpc="1">
-            <a:prstTxWarp prst="textNoShape">
-              <a:avLst/>
-            </a:prstTxWarp>
-            <a:noAutofit/>
-          </a:bodyPr>
-          <a:lstStyle/>
-          <a:p>
-            <a:pPr algn="ctr"/>
-            <a:endParaRPr lang="en-SG" sz="1801"/>
-          </a:p>
-        </p:txBody>
-      </p:sp>
-      <p:cxnSp>
-        <p:nvCxnSpPr>
-          <p:cNvPr id="6" name="Straight Arrow Connector 5">
-            <a:extLst>
-              <a:ext uri="{FF2B5EF4-FFF2-40B4-BE49-F238E27FC236}">
-                <a16:creationId xmlns:a16="http://schemas.microsoft.com/office/drawing/2014/main" id="{73D6638D-34B0-4D9A-B7DC-62ABF1C7D407}"/>
-              </a:ext>
-            </a:extLst>
-          </p:cNvPr>
-          <p:cNvCxnSpPr>
-            <a:cxnSpLocks/>
-            <a:stCxn id="4" idx="6"/>
-            <a:endCxn id="8" idx="1"/>
-          </p:cNvCxnSpPr>
-          <p:nvPr/>
-        </p:nvCxnSpPr>
-        <p:spPr>
-          <a:xfrm>
-            <a:off x="2915710" y="3314941"/>
-            <a:ext cx="227605" cy="839"/>
-          </a:xfrm>
-          <a:prstGeom prst="straightConnector1">
-            <a:avLst/>
-          </a:prstGeom>
-          <a:ln>
-            <a:tailEnd type="triangle"/>
-          </a:ln>
-        </p:spPr>
-        <p:style>
-          <a:lnRef idx="1">
-            <a:schemeClr val="dk1"/>
-          </a:lnRef>
-          <a:fillRef idx="0">
-            <a:schemeClr val="dk1"/>
-          </a:fillRef>
-          <a:effectRef idx="0">
-            <a:schemeClr val="dk1"/>
-          </a:effectRef>
-          <a:fontRef idx="minor">
-            <a:schemeClr val="tx1"/>
-          </a:fontRef>
-        </p:style>
-      </p:cxnSp>
-      <p:sp>
-        <p:nvSpPr>
-          <p:cNvPr id="8" name="Rectangle: Rounded Corners 7">
-            <a:extLst>
-              <a:ext uri="{FF2B5EF4-FFF2-40B4-BE49-F238E27FC236}">
-                <a16:creationId xmlns:a16="http://schemas.microsoft.com/office/drawing/2014/main" id="{C13E6F3C-30CD-49FB-94D8-AF011F54E935}"/>
-              </a:ext>
-            </a:extLst>
-          </p:cNvPr>
-          <p:cNvSpPr/>
-          <p:nvPr/>
-        </p:nvSpPr>
-        <p:spPr>
-          <a:xfrm>
-            <a:off x="3143315" y="2957561"/>
-            <a:ext cx="1570355" cy="716437"/>
-          </a:xfrm>
-          <a:prstGeom prst="roundRect">
-            <a:avLst/>
-          </a:prstGeom>
-        </p:spPr>
-        <p:style>
-          <a:lnRef idx="1">
-            <a:schemeClr val="accent5"/>
-          </a:lnRef>
-          <a:fillRef idx="2">
-            <a:schemeClr val="accent5"/>
-          </a:fillRef>
-          <a:effectRef idx="1">
-            <a:schemeClr val="accent5"/>
-          </a:effectRef>
-          <a:fontRef idx="minor">
-            <a:schemeClr val="dk1"/>
-          </a:fontRef>
-        </p:style>
-        <p:txBody>
-          <a:bodyPr rot="0" spcFirstLastPara="0" vertOverflow="overflow" horzOverflow="overflow" vert="horz" wrap="square" lIns="91440" tIns="45721" rIns="91440" bIns="45721" numCol="1" spcCol="0" rtlCol="0" fromWordArt="0" anchor="ctr" anchorCtr="0" forceAA="0" compatLnSpc="1">
-            <a:prstTxWarp prst="textNoShape">
-              <a:avLst/>
-            </a:prstTxWarp>
-            <a:noAutofit/>
-          </a:bodyPr>
-          <a:lstStyle/>
-          <a:p>
-            <a:pPr algn="ctr"/>
-            <a:r>
-              <a:rPr lang="en-SG" sz="1801" dirty="0"/>
-              <a:t>User executes command</a:t>
-            </a:r>
-          </a:p>
-        </p:txBody>
-      </p:sp>
-      <p:cxnSp>
-        <p:nvCxnSpPr>
-          <p:cNvPr id="9" name="Straight Arrow Connector 8">
-            <a:extLst>
-              <a:ext uri="{FF2B5EF4-FFF2-40B4-BE49-F238E27FC236}">
-                <a16:creationId xmlns:a16="http://schemas.microsoft.com/office/drawing/2014/main" id="{6A0B3198-7B18-417D-A041-B13DF5BAE7A6}"/>
-              </a:ext>
-            </a:extLst>
-          </p:cNvPr>
-          <p:cNvCxnSpPr>
-            <a:cxnSpLocks/>
-            <a:stCxn id="8" idx="3"/>
-            <a:endCxn id="56" idx="1"/>
-          </p:cNvCxnSpPr>
-          <p:nvPr/>
-        </p:nvCxnSpPr>
-        <p:spPr>
-          <a:xfrm flipV="1">
-            <a:off x="4713670" y="3312830"/>
-            <a:ext cx="1043331" cy="2950"/>
-          </a:xfrm>
-          <a:prstGeom prst="straightConnector1">
-            <a:avLst/>
-          </a:prstGeom>
-          <a:ln>
-            <a:tailEnd type="triangle"/>
-          </a:ln>
-        </p:spPr>
-        <p:style>
-          <a:lnRef idx="1">
-            <a:schemeClr val="dk1"/>
-          </a:lnRef>
-          <a:fillRef idx="0">
-            <a:schemeClr val="dk1"/>
-          </a:fillRef>
-          <a:effectRef idx="0">
-            <a:schemeClr val="dk1"/>
-          </a:effectRef>
-          <a:fontRef idx="minor">
-            <a:schemeClr val="tx1"/>
-          </a:fontRef>
-        </p:style>
-      </p:cxnSp>
-      <p:sp>
-        <p:nvSpPr>
-          <p:cNvPr id="46" name="Diamond 45">
-            <a:extLst>
-              <a:ext uri="{FF2B5EF4-FFF2-40B4-BE49-F238E27FC236}">
-                <a16:creationId xmlns:a16="http://schemas.microsoft.com/office/drawing/2014/main" id="{FDB4A38F-F816-4320-82EB-071E9BA2EFAB}"/>
-              </a:ext>
-            </a:extLst>
-          </p:cNvPr>
-          <p:cNvSpPr/>
-          <p:nvPr/>
-        </p:nvSpPr>
-        <p:spPr>
-          <a:xfrm>
-            <a:off x="9650678" y="3075397"/>
-            <a:ext cx="480766" cy="480766"/>
-          </a:xfrm>
-          <a:prstGeom prst="diamond">
-            <a:avLst/>
-          </a:prstGeom>
-        </p:spPr>
-        <p:style>
-          <a:lnRef idx="1">
-            <a:schemeClr val="accent6"/>
-          </a:lnRef>
-          <a:fillRef idx="2">
-            <a:schemeClr val="accent6"/>
-          </a:fillRef>
-          <a:effectRef idx="1">
-            <a:schemeClr val="accent6"/>
-          </a:effectRef>
-          <a:fontRef idx="minor">
-            <a:schemeClr val="dk1"/>
-          </a:fontRef>
-        </p:style>
-        <p:txBody>
-          <a:bodyPr rot="0" spcFirstLastPara="0" vertOverflow="overflow" horzOverflow="overflow" vert="horz" wrap="square" lIns="91440" tIns="45721" rIns="91440" bIns="45721" numCol="1" spcCol="0" rtlCol="0" fromWordArt="0" anchor="ctr" anchorCtr="0" forceAA="0" compatLnSpc="1">
-            <a:prstTxWarp prst="textNoShape">
-              <a:avLst/>
-            </a:prstTxWarp>
-            <a:noAutofit/>
-          </a:bodyPr>
-          <a:lstStyle/>
-          <a:p>
-            <a:pPr algn="ctr"/>
-            <a:endParaRPr lang="en-SG" sz="1801"/>
-          </a:p>
-        </p:txBody>
-      </p:sp>
-      <p:sp>
-        <p:nvSpPr>
-          <p:cNvPr id="47" name="TextBox 46">
-            <a:extLst>
-              <a:ext uri="{FF2B5EF4-FFF2-40B4-BE49-F238E27FC236}">
-                <a16:creationId xmlns:a16="http://schemas.microsoft.com/office/drawing/2014/main" id="{791A7435-1CBD-4D64-B373-CDF617409EFD}"/>
-              </a:ext>
-            </a:extLst>
-          </p:cNvPr>
-          <p:cNvSpPr txBox="1"/>
-          <p:nvPr/>
-        </p:nvSpPr>
-        <p:spPr>
-          <a:xfrm>
-            <a:off x="5345870" y="3793595"/>
-            <a:ext cx="853127" cy="369460"/>
-          </a:xfrm>
-          <a:prstGeom prst="rect">
-            <a:avLst/>
-          </a:prstGeom>
-          <a:noFill/>
-        </p:spPr>
-        <p:txBody>
-          <a:bodyPr wrap="square" rtlCol="0">
-            <a:spAutoFit/>
-          </a:bodyPr>
-          <a:lstStyle/>
-          <a:p>
-            <a:r>
-              <a:rPr lang="en-SG" sz="1801" dirty="0"/>
-              <a:t>[else]</a:t>
-            </a:r>
-          </a:p>
-        </p:txBody>
-      </p:sp>
-      <p:sp>
-        <p:nvSpPr>
-          <p:cNvPr id="48" name="TextBox 47">
-            <a:extLst>
-              <a:ext uri="{FF2B5EF4-FFF2-40B4-BE49-F238E27FC236}">
-                <a16:creationId xmlns:a16="http://schemas.microsoft.com/office/drawing/2014/main" id="{300470AD-DA4C-4F16-91F5-E3E560CDBEFC}"/>
-              </a:ext>
-            </a:extLst>
-          </p:cNvPr>
-          <p:cNvSpPr txBox="1"/>
-          <p:nvPr/>
-        </p:nvSpPr>
-        <p:spPr>
-          <a:xfrm>
-            <a:off x="4412106" y="2102568"/>
-            <a:ext cx="2066045" cy="646587"/>
-          </a:xfrm>
-          <a:prstGeom prst="rect">
-            <a:avLst/>
-          </a:prstGeom>
-          <a:noFill/>
-        </p:spPr>
-        <p:txBody>
-          <a:bodyPr wrap="square" rtlCol="0">
-            <a:spAutoFit/>
-          </a:bodyPr>
-          <a:lstStyle/>
-          <a:p>
-            <a:r>
-              <a:rPr lang="en-SG" sz="1801" dirty="0"/>
-              <a:t>[</a:t>
-            </a:r>
-            <a:r>
-              <a:rPr lang="en-US" dirty="0"/>
-              <a:t>command commits address book]</a:t>
-            </a:r>
-            <a:endParaRPr lang="en-SG" sz="1801" dirty="0"/>
-          </a:p>
-        </p:txBody>
-      </p:sp>
-      <p:sp>
-        <p:nvSpPr>
-          <p:cNvPr id="51" name="Rectangle: Rounded Corners 50">
-            <a:extLst>
-              <a:ext uri="{FF2B5EF4-FFF2-40B4-BE49-F238E27FC236}">
-                <a16:creationId xmlns:a16="http://schemas.microsoft.com/office/drawing/2014/main" id="{D62D81FC-C644-4602-90C8-B7974D14CA54}"/>
-              </a:ext>
-            </a:extLst>
-          </p:cNvPr>
-          <p:cNvSpPr/>
-          <p:nvPr/>
-        </p:nvSpPr>
-        <p:spPr>
-          <a:xfrm>
-            <a:off x="6478151" y="2438400"/>
-            <a:ext cx="2953232" cy="814659"/>
-          </a:xfrm>
-          <a:prstGeom prst="roundRect">
-            <a:avLst/>
-          </a:prstGeom>
-        </p:spPr>
-        <p:style>
-          <a:lnRef idx="1">
-            <a:schemeClr val="accent6"/>
-          </a:lnRef>
-          <a:fillRef idx="2">
-            <a:schemeClr val="accent6"/>
-          </a:fillRef>
-          <a:effectRef idx="1">
-            <a:schemeClr val="accent6"/>
-          </a:effectRef>
-          <a:fontRef idx="minor">
-            <a:schemeClr val="dk1"/>
-          </a:fontRef>
-        </p:style>
-        <p:txBody>
-          <a:bodyPr rot="0" spcFirstLastPara="0" vertOverflow="overflow" horzOverflow="overflow" vert="horz" wrap="square" lIns="91440" tIns="45721" rIns="91440" bIns="45721" numCol="1" spcCol="0" rtlCol="0" fromWordArt="0" anchor="ctr" anchorCtr="0" forceAA="0" compatLnSpc="1">
-            <a:prstTxWarp prst="textNoShape">
-              <a:avLst/>
-            </a:prstTxWarp>
-            <a:noAutofit/>
-          </a:bodyPr>
-          <a:lstStyle/>
-          <a:p>
-            <a:pPr algn="ctr"/>
-            <a:r>
-              <a:rPr lang="en-SG" sz="1801" dirty="0"/>
-              <a:t>Purge redundant states and then save address book to </a:t>
-            </a:r>
-            <a:r>
-              <a:rPr lang="en-SG" sz="1801" dirty="0" err="1"/>
-              <a:t>addressBookStateList</a:t>
-            </a:r>
-            <a:r>
-              <a:rPr lang="en-SG" sz="1801" dirty="0"/>
-              <a:t> </a:t>
-            </a:r>
-          </a:p>
-        </p:txBody>
-      </p:sp>
-      <p:sp>
-        <p:nvSpPr>
-          <p:cNvPr id="56" name="Diamond 55">
-            <a:extLst>
-              <a:ext uri="{FF2B5EF4-FFF2-40B4-BE49-F238E27FC236}">
-                <a16:creationId xmlns:a16="http://schemas.microsoft.com/office/drawing/2014/main" id="{0ACD7DC4-F31E-42B2-9D34-41B1AE997EB1}"/>
-              </a:ext>
-            </a:extLst>
-          </p:cNvPr>
-          <p:cNvSpPr/>
-          <p:nvPr/>
-        </p:nvSpPr>
-        <p:spPr>
-          <a:xfrm>
-            <a:off x="5757001" y="3072447"/>
-            <a:ext cx="480766" cy="480766"/>
-          </a:xfrm>
-          <a:prstGeom prst="diamond">
-            <a:avLst/>
-          </a:prstGeom>
-        </p:spPr>
-        <p:style>
-          <a:lnRef idx="1">
-            <a:schemeClr val="accent6"/>
-          </a:lnRef>
-          <a:fillRef idx="2">
-            <a:schemeClr val="accent6"/>
-          </a:fillRef>
-          <a:effectRef idx="1">
-            <a:schemeClr val="accent6"/>
-          </a:effectRef>
-          <a:fontRef idx="minor">
-            <a:schemeClr val="dk1"/>
-          </a:fontRef>
-        </p:style>
-        <p:txBody>
-          <a:bodyPr rot="0" spcFirstLastPara="0" vertOverflow="overflow" horzOverflow="overflow" vert="horz" wrap="square" lIns="91440" tIns="45721" rIns="91440" bIns="45721" numCol="1" spcCol="0" rtlCol="0" fromWordArt="0" anchor="ctr" anchorCtr="0" forceAA="0" compatLnSpc="1">
-            <a:prstTxWarp prst="textNoShape">
-              <a:avLst/>
-            </a:prstTxWarp>
-            <a:noAutofit/>
-          </a:bodyPr>
-          <a:lstStyle/>
-          <a:p>
-            <a:pPr algn="ctr"/>
-            <a:endParaRPr lang="en-SG" sz="1801"/>
-          </a:p>
-        </p:txBody>
-      </p:sp>
-      <p:cxnSp>
-        <p:nvCxnSpPr>
-          <p:cNvPr id="69" name="Straight Arrow Connector 68">
-            <a:extLst>
-              <a:ext uri="{FF2B5EF4-FFF2-40B4-BE49-F238E27FC236}">
-                <a16:creationId xmlns:a16="http://schemas.microsoft.com/office/drawing/2014/main" id="{7BE2639B-14BA-4C9C-9964-899CEF3278C9}"/>
-              </a:ext>
-            </a:extLst>
-          </p:cNvPr>
-          <p:cNvCxnSpPr>
-            <a:cxnSpLocks/>
-            <a:stCxn id="46" idx="3"/>
-            <a:endCxn id="68" idx="2"/>
-          </p:cNvCxnSpPr>
-          <p:nvPr/>
-        </p:nvCxnSpPr>
-        <p:spPr>
-          <a:xfrm>
-            <a:off x="10131444" y="3315780"/>
-            <a:ext cx="419377" cy="7529"/>
-          </a:xfrm>
-          <a:prstGeom prst="straightConnector1">
-            <a:avLst/>
-          </a:prstGeom>
-          <a:ln>
-            <a:tailEnd type="triangle"/>
-          </a:ln>
-        </p:spPr>
-        <p:style>
-          <a:lnRef idx="1">
-            <a:schemeClr val="dk1"/>
-          </a:lnRef>
-          <a:fillRef idx="0">
-            <a:schemeClr val="dk1"/>
-          </a:fillRef>
-          <a:effectRef idx="0">
-            <a:schemeClr val="dk1"/>
-          </a:effectRef>
-          <a:fontRef idx="minor">
-            <a:schemeClr val="tx1"/>
-          </a:fontRef>
-        </p:style>
-      </p:cxnSp>
       <p:grpSp>
         <p:nvGrpSpPr>
-          <p:cNvPr id="75" name="Group 74">
-            <a:extLst>
-              <a:ext uri="{FF2B5EF4-FFF2-40B4-BE49-F238E27FC236}">
-                <a16:creationId xmlns:a16="http://schemas.microsoft.com/office/drawing/2014/main" id="{A48F4168-7D41-4ED6-97F1-58289DDE3C4D}"/>
+          <p:cNvPr id="2" name="Group 1">
+            <a:extLst>
+              <a:ext uri="{FF2B5EF4-FFF2-40B4-BE49-F238E27FC236}">
+                <a16:creationId xmlns:a16="http://schemas.microsoft.com/office/drawing/2014/main" id="{1C8EC6F0-E9A0-4EDD-8384-3EF605EBE7CE}"/>
               </a:ext>
             </a:extLst>
           </p:cNvPr>
@@ -3828,18 +3361,18 @@
         </p:nvGrpSpPr>
         <p:grpSpPr>
           <a:xfrm>
-            <a:off x="10550821" y="3205474"/>
-            <a:ext cx="235669" cy="235669"/>
-            <a:chOff x="8040730" y="5082186"/>
-            <a:chExt cx="235669" cy="235669"/>
+            <a:off x="2680041" y="2102568"/>
+            <a:ext cx="8106449" cy="2060487"/>
+            <a:chOff x="2680041" y="2102568"/>
+            <a:chExt cx="8106449" cy="2060487"/>
           </a:xfrm>
         </p:grpSpPr>
         <p:sp>
           <p:nvSpPr>
-            <p:cNvPr id="68" name="Oval 67">
+            <p:cNvPr id="4" name="Oval 3">
               <a:extLst>
                 <a:ext uri="{FF2B5EF4-FFF2-40B4-BE49-F238E27FC236}">
-                  <a16:creationId xmlns:a16="http://schemas.microsoft.com/office/drawing/2014/main" id="{E423C8D7-553D-4A16-BA68-78DB113CAEC3}"/>
+                  <a16:creationId xmlns:a16="http://schemas.microsoft.com/office/drawing/2014/main" id="{D45F487B-A914-4C8E-B564-00C9D621567D}"/>
                 </a:ext>
               </a:extLst>
             </p:cNvPr>
@@ -3848,60 +3381,8 @@
           </p:nvSpPr>
           <p:spPr>
             <a:xfrm>
-              <a:off x="8040730" y="5082186"/>
+              <a:off x="2680041" y="3197106"/>
               <a:ext cx="235669" cy="235669"/>
-            </a:xfrm>
-            <a:prstGeom prst="ellipse">
-              <a:avLst/>
-            </a:prstGeom>
-            <a:solidFill>
-              <a:schemeClr val="bg1"/>
-            </a:solidFill>
-          </p:spPr>
-          <p:style>
-            <a:lnRef idx="1">
-              <a:schemeClr val="accent1"/>
-            </a:lnRef>
-            <a:fillRef idx="2">
-              <a:schemeClr val="accent1"/>
-            </a:fillRef>
-            <a:effectRef idx="1">
-              <a:schemeClr val="accent1"/>
-            </a:effectRef>
-            <a:fontRef idx="minor">
-              <a:schemeClr val="dk1"/>
-            </a:fontRef>
-          </p:style>
-          <p:txBody>
-            <a:bodyPr rot="0" spcFirstLastPara="0" vertOverflow="overflow" horzOverflow="overflow" vert="horz" wrap="square" lIns="91440" tIns="45721" rIns="91440" bIns="45721" numCol="1" spcCol="0" rtlCol="0" fromWordArt="0" anchor="ctr" anchorCtr="0" forceAA="0" compatLnSpc="1">
-              <a:prstTxWarp prst="textNoShape">
-                <a:avLst/>
-              </a:prstTxWarp>
-              <a:noAutofit/>
-            </a:bodyPr>
-            <a:lstStyle/>
-            <a:p>
-              <a:pPr algn="ctr"/>
-              <a:endParaRPr lang="en-SG" sz="1801"/>
-            </a:p>
-          </p:txBody>
-        </p:sp>
-        <p:sp>
-          <p:nvSpPr>
-            <p:cNvPr id="71" name="Oval 70">
-              <a:extLst>
-                <a:ext uri="{FF2B5EF4-FFF2-40B4-BE49-F238E27FC236}">
-                  <a16:creationId xmlns:a16="http://schemas.microsoft.com/office/drawing/2014/main" id="{1F41AA13-1BFC-498E-BBC4-DC32053E38E1}"/>
-                </a:ext>
-              </a:extLst>
-            </p:cNvPr>
-            <p:cNvSpPr/>
-            <p:nvPr/>
-          </p:nvSpPr>
-          <p:spPr>
-            <a:xfrm>
-              <a:off x="8088348" y="5134633"/>
-              <a:ext cx="136201" cy="136201"/>
             </a:xfrm>
             <a:prstGeom prst="ellipse">
               <a:avLst/>
@@ -3935,116 +3416,652 @@
             </a:p>
           </p:txBody>
         </p:sp>
+        <p:cxnSp>
+          <p:nvCxnSpPr>
+            <p:cNvPr id="6" name="Straight Arrow Connector 5">
+              <a:extLst>
+                <a:ext uri="{FF2B5EF4-FFF2-40B4-BE49-F238E27FC236}">
+                  <a16:creationId xmlns:a16="http://schemas.microsoft.com/office/drawing/2014/main" id="{73D6638D-34B0-4D9A-B7DC-62ABF1C7D407}"/>
+                </a:ext>
+              </a:extLst>
+            </p:cNvPr>
+            <p:cNvCxnSpPr>
+              <a:cxnSpLocks/>
+              <a:stCxn id="4" idx="6"/>
+              <a:endCxn id="8" idx="1"/>
+            </p:cNvCxnSpPr>
+            <p:nvPr/>
+          </p:nvCxnSpPr>
+          <p:spPr>
+            <a:xfrm>
+              <a:off x="2915710" y="3314941"/>
+              <a:ext cx="227605" cy="839"/>
+            </a:xfrm>
+            <a:prstGeom prst="straightConnector1">
+              <a:avLst/>
+            </a:prstGeom>
+            <a:ln>
+              <a:tailEnd type="triangle"/>
+            </a:ln>
+          </p:spPr>
+          <p:style>
+            <a:lnRef idx="1">
+              <a:schemeClr val="dk1"/>
+            </a:lnRef>
+            <a:fillRef idx="0">
+              <a:schemeClr val="dk1"/>
+            </a:fillRef>
+            <a:effectRef idx="0">
+              <a:schemeClr val="dk1"/>
+            </a:effectRef>
+            <a:fontRef idx="minor">
+              <a:schemeClr val="tx1"/>
+            </a:fontRef>
+          </p:style>
+        </p:cxnSp>
+        <p:sp>
+          <p:nvSpPr>
+            <p:cNvPr id="8" name="Rectangle: Rounded Corners 7">
+              <a:extLst>
+                <a:ext uri="{FF2B5EF4-FFF2-40B4-BE49-F238E27FC236}">
+                  <a16:creationId xmlns:a16="http://schemas.microsoft.com/office/drawing/2014/main" id="{C13E6F3C-30CD-49FB-94D8-AF011F54E935}"/>
+                </a:ext>
+              </a:extLst>
+            </p:cNvPr>
+            <p:cNvSpPr/>
+            <p:nvPr/>
+          </p:nvSpPr>
+          <p:spPr>
+            <a:xfrm>
+              <a:off x="3143315" y="2957561"/>
+              <a:ext cx="1570355" cy="716437"/>
+            </a:xfrm>
+            <a:prstGeom prst="roundRect">
+              <a:avLst/>
+            </a:prstGeom>
+          </p:spPr>
+          <p:style>
+            <a:lnRef idx="1">
+              <a:schemeClr val="accent5"/>
+            </a:lnRef>
+            <a:fillRef idx="2">
+              <a:schemeClr val="accent5"/>
+            </a:fillRef>
+            <a:effectRef idx="1">
+              <a:schemeClr val="accent5"/>
+            </a:effectRef>
+            <a:fontRef idx="minor">
+              <a:schemeClr val="dk1"/>
+            </a:fontRef>
+          </p:style>
+          <p:txBody>
+            <a:bodyPr rot="0" spcFirstLastPara="0" vertOverflow="overflow" horzOverflow="overflow" vert="horz" wrap="square" lIns="91440" tIns="45721" rIns="91440" bIns="45721" numCol="1" spcCol="0" rtlCol="0" fromWordArt="0" anchor="ctr" anchorCtr="0" forceAA="0" compatLnSpc="1">
+              <a:prstTxWarp prst="textNoShape">
+                <a:avLst/>
+              </a:prstTxWarp>
+              <a:noAutofit/>
+            </a:bodyPr>
+            <a:lstStyle/>
+            <a:p>
+              <a:pPr algn="ctr"/>
+              <a:r>
+                <a:rPr lang="en-SG" sz="1801" dirty="0"/>
+                <a:t>User executes command</a:t>
+              </a:r>
+            </a:p>
+          </p:txBody>
+        </p:sp>
+        <p:cxnSp>
+          <p:nvCxnSpPr>
+            <p:cNvPr id="9" name="Straight Arrow Connector 8">
+              <a:extLst>
+                <a:ext uri="{FF2B5EF4-FFF2-40B4-BE49-F238E27FC236}">
+                  <a16:creationId xmlns:a16="http://schemas.microsoft.com/office/drawing/2014/main" id="{6A0B3198-7B18-417D-A041-B13DF5BAE7A6}"/>
+                </a:ext>
+              </a:extLst>
+            </p:cNvPr>
+            <p:cNvCxnSpPr>
+              <a:cxnSpLocks/>
+              <a:stCxn id="8" idx="3"/>
+              <a:endCxn id="56" idx="1"/>
+            </p:cNvCxnSpPr>
+            <p:nvPr/>
+          </p:nvCxnSpPr>
+          <p:spPr>
+            <a:xfrm flipV="1">
+              <a:off x="4713670" y="3312830"/>
+              <a:ext cx="1043331" cy="2950"/>
+            </a:xfrm>
+            <a:prstGeom prst="straightConnector1">
+              <a:avLst/>
+            </a:prstGeom>
+            <a:ln>
+              <a:tailEnd type="triangle"/>
+            </a:ln>
+          </p:spPr>
+          <p:style>
+            <a:lnRef idx="1">
+              <a:schemeClr val="dk1"/>
+            </a:lnRef>
+            <a:fillRef idx="0">
+              <a:schemeClr val="dk1"/>
+            </a:fillRef>
+            <a:effectRef idx="0">
+              <a:schemeClr val="dk1"/>
+            </a:effectRef>
+            <a:fontRef idx="minor">
+              <a:schemeClr val="tx1"/>
+            </a:fontRef>
+          </p:style>
+        </p:cxnSp>
+        <p:sp>
+          <p:nvSpPr>
+            <p:cNvPr id="46" name="Diamond 45">
+              <a:extLst>
+                <a:ext uri="{FF2B5EF4-FFF2-40B4-BE49-F238E27FC236}">
+                  <a16:creationId xmlns:a16="http://schemas.microsoft.com/office/drawing/2014/main" id="{FDB4A38F-F816-4320-82EB-071E9BA2EFAB}"/>
+                </a:ext>
+              </a:extLst>
+            </p:cNvPr>
+            <p:cNvSpPr/>
+            <p:nvPr/>
+          </p:nvSpPr>
+          <p:spPr>
+            <a:xfrm>
+              <a:off x="9650678" y="3075397"/>
+              <a:ext cx="480766" cy="480766"/>
+            </a:xfrm>
+            <a:prstGeom prst="diamond">
+              <a:avLst/>
+            </a:prstGeom>
+          </p:spPr>
+          <p:style>
+            <a:lnRef idx="1">
+              <a:schemeClr val="accent6"/>
+            </a:lnRef>
+            <a:fillRef idx="2">
+              <a:schemeClr val="accent6"/>
+            </a:fillRef>
+            <a:effectRef idx="1">
+              <a:schemeClr val="accent6"/>
+            </a:effectRef>
+            <a:fontRef idx="minor">
+              <a:schemeClr val="dk1"/>
+            </a:fontRef>
+          </p:style>
+          <p:txBody>
+            <a:bodyPr rot="0" spcFirstLastPara="0" vertOverflow="overflow" horzOverflow="overflow" vert="horz" wrap="square" lIns="91440" tIns="45721" rIns="91440" bIns="45721" numCol="1" spcCol="0" rtlCol="0" fromWordArt="0" anchor="ctr" anchorCtr="0" forceAA="0" compatLnSpc="1">
+              <a:prstTxWarp prst="textNoShape">
+                <a:avLst/>
+              </a:prstTxWarp>
+              <a:noAutofit/>
+            </a:bodyPr>
+            <a:lstStyle/>
+            <a:p>
+              <a:pPr algn="ctr"/>
+              <a:endParaRPr lang="en-SG" sz="1801"/>
+            </a:p>
+          </p:txBody>
+        </p:sp>
+        <p:sp>
+          <p:nvSpPr>
+            <p:cNvPr id="47" name="TextBox 46">
+              <a:extLst>
+                <a:ext uri="{FF2B5EF4-FFF2-40B4-BE49-F238E27FC236}">
+                  <a16:creationId xmlns:a16="http://schemas.microsoft.com/office/drawing/2014/main" id="{791A7435-1CBD-4D64-B373-CDF617409EFD}"/>
+                </a:ext>
+              </a:extLst>
+            </p:cNvPr>
+            <p:cNvSpPr txBox="1"/>
+            <p:nvPr/>
+          </p:nvSpPr>
+          <p:spPr>
+            <a:xfrm>
+              <a:off x="5345870" y="3793595"/>
+              <a:ext cx="853127" cy="369460"/>
+            </a:xfrm>
+            <a:prstGeom prst="rect">
+              <a:avLst/>
+            </a:prstGeom>
+            <a:noFill/>
+          </p:spPr>
+          <p:txBody>
+            <a:bodyPr wrap="square" rtlCol="0">
+              <a:spAutoFit/>
+            </a:bodyPr>
+            <a:lstStyle/>
+            <a:p>
+              <a:r>
+                <a:rPr lang="en-SG" sz="1801" dirty="0"/>
+                <a:t>[else]</a:t>
+              </a:r>
+            </a:p>
+          </p:txBody>
+        </p:sp>
+        <p:sp>
+          <p:nvSpPr>
+            <p:cNvPr id="48" name="TextBox 47">
+              <a:extLst>
+                <a:ext uri="{FF2B5EF4-FFF2-40B4-BE49-F238E27FC236}">
+                  <a16:creationId xmlns:a16="http://schemas.microsoft.com/office/drawing/2014/main" id="{300470AD-DA4C-4F16-91F5-E3E560CDBEFC}"/>
+                </a:ext>
+              </a:extLst>
+            </p:cNvPr>
+            <p:cNvSpPr txBox="1"/>
+            <p:nvPr/>
+          </p:nvSpPr>
+          <p:spPr>
+            <a:xfrm>
+              <a:off x="4412106" y="2102568"/>
+              <a:ext cx="2066045" cy="646587"/>
+            </a:xfrm>
+            <a:prstGeom prst="rect">
+              <a:avLst/>
+            </a:prstGeom>
+            <a:noFill/>
+          </p:spPr>
+          <p:txBody>
+            <a:bodyPr wrap="square" rtlCol="0">
+              <a:spAutoFit/>
+            </a:bodyPr>
+            <a:lstStyle/>
+            <a:p>
+              <a:r>
+                <a:rPr lang="en-SG" sz="1801" dirty="0"/>
+                <a:t>[</a:t>
+              </a:r>
+              <a:r>
+                <a:rPr lang="en-US" dirty="0"/>
+                <a:t>command commits address book]</a:t>
+              </a:r>
+              <a:endParaRPr lang="en-SG" sz="1801" dirty="0"/>
+            </a:p>
+          </p:txBody>
+        </p:sp>
+        <p:sp>
+          <p:nvSpPr>
+            <p:cNvPr id="51" name="Rectangle: Rounded Corners 50">
+              <a:extLst>
+                <a:ext uri="{FF2B5EF4-FFF2-40B4-BE49-F238E27FC236}">
+                  <a16:creationId xmlns:a16="http://schemas.microsoft.com/office/drawing/2014/main" id="{D62D81FC-C644-4602-90C8-B7974D14CA54}"/>
+                </a:ext>
+              </a:extLst>
+            </p:cNvPr>
+            <p:cNvSpPr/>
+            <p:nvPr/>
+          </p:nvSpPr>
+          <p:spPr>
+            <a:xfrm>
+              <a:off x="6478151" y="2438400"/>
+              <a:ext cx="2953232" cy="814659"/>
+            </a:xfrm>
+            <a:prstGeom prst="roundRect">
+              <a:avLst/>
+            </a:prstGeom>
+          </p:spPr>
+          <p:style>
+            <a:lnRef idx="1">
+              <a:schemeClr val="accent6"/>
+            </a:lnRef>
+            <a:fillRef idx="2">
+              <a:schemeClr val="accent6"/>
+            </a:fillRef>
+            <a:effectRef idx="1">
+              <a:schemeClr val="accent6"/>
+            </a:effectRef>
+            <a:fontRef idx="minor">
+              <a:schemeClr val="dk1"/>
+            </a:fontRef>
+          </p:style>
+          <p:txBody>
+            <a:bodyPr rot="0" spcFirstLastPara="0" vertOverflow="overflow" horzOverflow="overflow" vert="horz" wrap="square" lIns="91440" tIns="45721" rIns="91440" bIns="45721" numCol="1" spcCol="0" rtlCol="0" fromWordArt="0" anchor="ctr" anchorCtr="0" forceAA="0" compatLnSpc="1">
+              <a:prstTxWarp prst="textNoShape">
+                <a:avLst/>
+              </a:prstTxWarp>
+              <a:noAutofit/>
+            </a:bodyPr>
+            <a:lstStyle/>
+            <a:p>
+              <a:pPr algn="ctr"/>
+              <a:r>
+                <a:rPr lang="en-SG" sz="1801" dirty="0"/>
+                <a:t>Purge redundant states and then save address book to </a:t>
+              </a:r>
+              <a:r>
+                <a:rPr lang="en-SG" sz="1801" dirty="0" err="1"/>
+                <a:t>addressBookStateList</a:t>
+              </a:r>
+              <a:r>
+                <a:rPr lang="en-SG" sz="1801" dirty="0"/>
+                <a:t> </a:t>
+              </a:r>
+            </a:p>
+          </p:txBody>
+        </p:sp>
+        <p:sp>
+          <p:nvSpPr>
+            <p:cNvPr id="56" name="Diamond 55">
+              <a:extLst>
+                <a:ext uri="{FF2B5EF4-FFF2-40B4-BE49-F238E27FC236}">
+                  <a16:creationId xmlns:a16="http://schemas.microsoft.com/office/drawing/2014/main" id="{0ACD7DC4-F31E-42B2-9D34-41B1AE997EB1}"/>
+                </a:ext>
+              </a:extLst>
+            </p:cNvPr>
+            <p:cNvSpPr/>
+            <p:nvPr/>
+          </p:nvSpPr>
+          <p:spPr>
+            <a:xfrm>
+              <a:off x="5757001" y="3072447"/>
+              <a:ext cx="480766" cy="480766"/>
+            </a:xfrm>
+            <a:prstGeom prst="diamond">
+              <a:avLst/>
+            </a:prstGeom>
+          </p:spPr>
+          <p:style>
+            <a:lnRef idx="1">
+              <a:schemeClr val="accent6"/>
+            </a:lnRef>
+            <a:fillRef idx="2">
+              <a:schemeClr val="accent6"/>
+            </a:fillRef>
+            <a:effectRef idx="1">
+              <a:schemeClr val="accent6"/>
+            </a:effectRef>
+            <a:fontRef idx="minor">
+              <a:schemeClr val="dk1"/>
+            </a:fontRef>
+          </p:style>
+          <p:txBody>
+            <a:bodyPr rot="0" spcFirstLastPara="0" vertOverflow="overflow" horzOverflow="overflow" vert="horz" wrap="square" lIns="91440" tIns="45721" rIns="91440" bIns="45721" numCol="1" spcCol="0" rtlCol="0" fromWordArt="0" anchor="ctr" anchorCtr="0" forceAA="0" compatLnSpc="1">
+              <a:prstTxWarp prst="textNoShape">
+                <a:avLst/>
+              </a:prstTxWarp>
+              <a:noAutofit/>
+            </a:bodyPr>
+            <a:lstStyle/>
+            <a:p>
+              <a:pPr algn="ctr"/>
+              <a:endParaRPr lang="en-SG" sz="1801"/>
+            </a:p>
+          </p:txBody>
+        </p:sp>
+        <p:cxnSp>
+          <p:nvCxnSpPr>
+            <p:cNvPr id="69" name="Straight Arrow Connector 68">
+              <a:extLst>
+                <a:ext uri="{FF2B5EF4-FFF2-40B4-BE49-F238E27FC236}">
+                  <a16:creationId xmlns:a16="http://schemas.microsoft.com/office/drawing/2014/main" id="{7BE2639B-14BA-4C9C-9964-899CEF3278C9}"/>
+                </a:ext>
+              </a:extLst>
+            </p:cNvPr>
+            <p:cNvCxnSpPr>
+              <a:cxnSpLocks/>
+              <a:stCxn id="46" idx="3"/>
+              <a:endCxn id="68" idx="2"/>
+            </p:cNvCxnSpPr>
+            <p:nvPr/>
+          </p:nvCxnSpPr>
+          <p:spPr>
+            <a:xfrm>
+              <a:off x="10131444" y="3315780"/>
+              <a:ext cx="419377" cy="7529"/>
+            </a:xfrm>
+            <a:prstGeom prst="straightConnector1">
+              <a:avLst/>
+            </a:prstGeom>
+            <a:ln>
+              <a:tailEnd type="triangle"/>
+            </a:ln>
+          </p:spPr>
+          <p:style>
+            <a:lnRef idx="1">
+              <a:schemeClr val="dk1"/>
+            </a:lnRef>
+            <a:fillRef idx="0">
+              <a:schemeClr val="dk1"/>
+            </a:fillRef>
+            <a:effectRef idx="0">
+              <a:schemeClr val="dk1"/>
+            </a:effectRef>
+            <a:fontRef idx="minor">
+              <a:schemeClr val="tx1"/>
+            </a:fontRef>
+          </p:style>
+        </p:cxnSp>
+        <p:grpSp>
+          <p:nvGrpSpPr>
+            <p:cNvPr id="75" name="Group 74">
+              <a:extLst>
+                <a:ext uri="{FF2B5EF4-FFF2-40B4-BE49-F238E27FC236}">
+                  <a16:creationId xmlns:a16="http://schemas.microsoft.com/office/drawing/2014/main" id="{A48F4168-7D41-4ED6-97F1-58289DDE3C4D}"/>
+                </a:ext>
+              </a:extLst>
+            </p:cNvPr>
+            <p:cNvGrpSpPr/>
+            <p:nvPr/>
+          </p:nvGrpSpPr>
+          <p:grpSpPr>
+            <a:xfrm>
+              <a:off x="10550821" y="3205474"/>
+              <a:ext cx="235669" cy="235669"/>
+              <a:chOff x="8040730" y="5082186"/>
+              <a:chExt cx="235669" cy="235669"/>
+            </a:xfrm>
+          </p:grpSpPr>
+          <p:sp>
+            <p:nvSpPr>
+              <p:cNvPr id="68" name="Oval 67">
+                <a:extLst>
+                  <a:ext uri="{FF2B5EF4-FFF2-40B4-BE49-F238E27FC236}">
+                    <a16:creationId xmlns:a16="http://schemas.microsoft.com/office/drawing/2014/main" id="{E423C8D7-553D-4A16-BA68-78DB113CAEC3}"/>
+                  </a:ext>
+                </a:extLst>
+              </p:cNvPr>
+              <p:cNvSpPr/>
+              <p:nvPr/>
+            </p:nvSpPr>
+            <p:spPr>
+              <a:xfrm>
+                <a:off x="8040730" y="5082186"/>
+                <a:ext cx="235669" cy="235669"/>
+              </a:xfrm>
+              <a:prstGeom prst="ellipse">
+                <a:avLst/>
+              </a:prstGeom>
+              <a:solidFill>
+                <a:schemeClr val="bg1"/>
+              </a:solidFill>
+            </p:spPr>
+            <p:style>
+              <a:lnRef idx="1">
+                <a:schemeClr val="accent1"/>
+              </a:lnRef>
+              <a:fillRef idx="2">
+                <a:schemeClr val="accent1"/>
+              </a:fillRef>
+              <a:effectRef idx="1">
+                <a:schemeClr val="accent1"/>
+              </a:effectRef>
+              <a:fontRef idx="minor">
+                <a:schemeClr val="dk1"/>
+              </a:fontRef>
+            </p:style>
+            <p:txBody>
+              <a:bodyPr rot="0" spcFirstLastPara="0" vertOverflow="overflow" horzOverflow="overflow" vert="horz" wrap="square" lIns="91440" tIns="45721" rIns="91440" bIns="45721" numCol="1" spcCol="0" rtlCol="0" fromWordArt="0" anchor="ctr" anchorCtr="0" forceAA="0" compatLnSpc="1">
+                <a:prstTxWarp prst="textNoShape">
+                  <a:avLst/>
+                </a:prstTxWarp>
+                <a:noAutofit/>
+              </a:bodyPr>
+              <a:lstStyle/>
+              <a:p>
+                <a:pPr algn="ctr"/>
+                <a:endParaRPr lang="en-SG" sz="1801"/>
+              </a:p>
+            </p:txBody>
+          </p:sp>
+          <p:sp>
+            <p:nvSpPr>
+              <p:cNvPr id="71" name="Oval 70">
+                <a:extLst>
+                  <a:ext uri="{FF2B5EF4-FFF2-40B4-BE49-F238E27FC236}">
+                    <a16:creationId xmlns:a16="http://schemas.microsoft.com/office/drawing/2014/main" id="{1F41AA13-1BFC-498E-BBC4-DC32053E38E1}"/>
+                  </a:ext>
+                </a:extLst>
+              </p:cNvPr>
+              <p:cNvSpPr/>
+              <p:nvPr/>
+            </p:nvSpPr>
+            <p:spPr>
+              <a:xfrm>
+                <a:off x="8088348" y="5134633"/>
+                <a:ext cx="136201" cy="136201"/>
+              </a:xfrm>
+              <a:prstGeom prst="ellipse">
+                <a:avLst/>
+              </a:prstGeom>
+            </p:spPr>
+            <p:style>
+              <a:lnRef idx="1">
+                <a:schemeClr val="accent1"/>
+              </a:lnRef>
+              <a:fillRef idx="2">
+                <a:schemeClr val="accent1"/>
+              </a:fillRef>
+              <a:effectRef idx="1">
+                <a:schemeClr val="accent1"/>
+              </a:effectRef>
+              <a:fontRef idx="minor">
+                <a:schemeClr val="dk1"/>
+              </a:fontRef>
+            </p:style>
+            <p:txBody>
+              <a:bodyPr rot="0" spcFirstLastPara="0" vertOverflow="overflow" horzOverflow="overflow" vert="horz" wrap="square" lIns="91440" tIns="45721" rIns="91440" bIns="45721" numCol="1" spcCol="0" rtlCol="0" fromWordArt="0" anchor="ctr" anchorCtr="0" forceAA="0" compatLnSpc="1">
+                <a:prstTxWarp prst="textNoShape">
+                  <a:avLst/>
+                </a:prstTxWarp>
+                <a:noAutofit/>
+              </a:bodyPr>
+              <a:lstStyle/>
+              <a:p>
+                <a:pPr algn="ctr"/>
+                <a:endParaRPr lang="en-SG" sz="1801"/>
+              </a:p>
+            </p:txBody>
+          </p:sp>
+        </p:grpSp>
+        <p:cxnSp>
+          <p:nvCxnSpPr>
+            <p:cNvPr id="66" name="Elbow Connector 65"/>
+            <p:cNvCxnSpPr>
+              <a:stCxn id="56" idx="0"/>
+            </p:cNvCxnSpPr>
+            <p:nvPr/>
+          </p:nvCxnSpPr>
+          <p:spPr>
+            <a:xfrm rot="5400000" flipH="1" flipV="1">
+              <a:off x="6123581" y="2716584"/>
+              <a:ext cx="229667" cy="482060"/>
+            </a:xfrm>
+            <a:prstGeom prst="bentConnector2">
+              <a:avLst/>
+            </a:prstGeom>
+            <a:ln>
+              <a:tailEnd type="triangle"/>
+            </a:ln>
+          </p:spPr>
+          <p:style>
+            <a:lnRef idx="1">
+              <a:schemeClr val="dk1"/>
+            </a:lnRef>
+            <a:fillRef idx="0">
+              <a:schemeClr val="dk1"/>
+            </a:fillRef>
+            <a:effectRef idx="0">
+              <a:schemeClr val="dk1"/>
+            </a:effectRef>
+            <a:fontRef idx="minor">
+              <a:schemeClr val="tx1"/>
+            </a:fontRef>
+          </p:style>
+        </p:cxnSp>
+        <p:cxnSp>
+          <p:nvCxnSpPr>
+            <p:cNvPr id="72" name="Elbow Connector 71"/>
+            <p:cNvCxnSpPr>
+              <a:stCxn id="56" idx="2"/>
+              <a:endCxn id="46" idx="2"/>
+            </p:cNvCxnSpPr>
+            <p:nvPr/>
+          </p:nvCxnSpPr>
+          <p:spPr>
+            <a:xfrm rot="16200000" flipH="1">
+              <a:off x="7942747" y="1607849"/>
+              <a:ext cx="2950" cy="3893677"/>
+            </a:xfrm>
+            <a:prstGeom prst="bentConnector3">
+              <a:avLst>
+                <a:gd name="adj1" fmla="val 7849153"/>
+              </a:avLst>
+            </a:prstGeom>
+            <a:ln>
+              <a:tailEnd type="triangle"/>
+            </a:ln>
+          </p:spPr>
+          <p:style>
+            <a:lnRef idx="1">
+              <a:schemeClr val="dk1"/>
+            </a:lnRef>
+            <a:fillRef idx="0">
+              <a:schemeClr val="dk1"/>
+            </a:fillRef>
+            <a:effectRef idx="0">
+              <a:schemeClr val="dk1"/>
+            </a:effectRef>
+            <a:fontRef idx="minor">
+              <a:schemeClr val="tx1"/>
+            </a:fontRef>
+          </p:style>
+        </p:cxnSp>
+        <p:cxnSp>
+          <p:nvCxnSpPr>
+            <p:cNvPr id="74" name="Elbow Connector 73"/>
+            <p:cNvCxnSpPr>
+              <a:stCxn id="51" idx="3"/>
+              <a:endCxn id="46" idx="0"/>
+            </p:cNvCxnSpPr>
+            <p:nvPr/>
+          </p:nvCxnSpPr>
+          <p:spPr>
+            <a:xfrm>
+              <a:off x="9431383" y="2845730"/>
+              <a:ext cx="459678" cy="229667"/>
+            </a:xfrm>
+            <a:prstGeom prst="bentConnector2">
+              <a:avLst/>
+            </a:prstGeom>
+            <a:ln>
+              <a:tailEnd type="triangle"/>
+            </a:ln>
+          </p:spPr>
+          <p:style>
+            <a:lnRef idx="1">
+              <a:schemeClr val="dk1"/>
+            </a:lnRef>
+            <a:fillRef idx="0">
+              <a:schemeClr val="dk1"/>
+            </a:fillRef>
+            <a:effectRef idx="0">
+              <a:schemeClr val="dk1"/>
+            </a:effectRef>
+            <a:fontRef idx="minor">
+              <a:schemeClr val="tx1"/>
+            </a:fontRef>
+          </p:style>
+        </p:cxnSp>
       </p:grpSp>
-      <p:cxnSp>
-        <p:nvCxnSpPr>
-          <p:cNvPr id="66" name="Elbow Connector 65"/>
-          <p:cNvCxnSpPr>
-            <a:stCxn id="56" idx="0"/>
-          </p:cNvCxnSpPr>
-          <p:nvPr/>
-        </p:nvCxnSpPr>
-        <p:spPr>
-          <a:xfrm rot="5400000" flipH="1" flipV="1">
-            <a:off x="6123581" y="2716584"/>
-            <a:ext cx="229667" cy="482060"/>
-          </a:xfrm>
-          <a:prstGeom prst="bentConnector2">
-            <a:avLst/>
-          </a:prstGeom>
-          <a:ln>
-            <a:tailEnd type="triangle"/>
-          </a:ln>
-        </p:spPr>
-        <p:style>
-          <a:lnRef idx="1">
-            <a:schemeClr val="dk1"/>
-          </a:lnRef>
-          <a:fillRef idx="0">
-            <a:schemeClr val="dk1"/>
-          </a:fillRef>
-          <a:effectRef idx="0">
-            <a:schemeClr val="dk1"/>
-          </a:effectRef>
-          <a:fontRef idx="minor">
-            <a:schemeClr val="tx1"/>
-          </a:fontRef>
-        </p:style>
-      </p:cxnSp>
-      <p:cxnSp>
-        <p:nvCxnSpPr>
-          <p:cNvPr id="72" name="Elbow Connector 71"/>
-          <p:cNvCxnSpPr>
-            <a:stCxn id="56" idx="2"/>
-            <a:endCxn id="46" idx="2"/>
-          </p:cNvCxnSpPr>
-          <p:nvPr/>
-        </p:nvCxnSpPr>
-        <p:spPr>
-          <a:xfrm rot="16200000" flipH="1">
-            <a:off x="7942747" y="1607849"/>
-            <a:ext cx="2950" cy="3893677"/>
-          </a:xfrm>
-          <a:prstGeom prst="bentConnector3">
-            <a:avLst>
-              <a:gd name="adj1" fmla="val 7849153"/>
-            </a:avLst>
-          </a:prstGeom>
-          <a:ln>
-            <a:tailEnd type="triangle"/>
-          </a:ln>
-        </p:spPr>
-        <p:style>
-          <a:lnRef idx="1">
-            <a:schemeClr val="dk1"/>
-          </a:lnRef>
-          <a:fillRef idx="0">
-            <a:schemeClr val="dk1"/>
-          </a:fillRef>
-          <a:effectRef idx="0">
-            <a:schemeClr val="dk1"/>
-          </a:effectRef>
-          <a:fontRef idx="minor">
-            <a:schemeClr val="tx1"/>
-          </a:fontRef>
-        </p:style>
-      </p:cxnSp>
-      <p:cxnSp>
-        <p:nvCxnSpPr>
-          <p:cNvPr id="74" name="Elbow Connector 73"/>
-          <p:cNvCxnSpPr>
-            <a:stCxn id="51" idx="3"/>
-            <a:endCxn id="46" idx="0"/>
-          </p:cNvCxnSpPr>
-          <p:nvPr/>
-        </p:nvCxnSpPr>
-        <p:spPr>
-          <a:xfrm>
-            <a:off x="9431383" y="2845730"/>
-            <a:ext cx="459678" cy="229667"/>
-          </a:xfrm>
-          <a:prstGeom prst="bentConnector2">
-            <a:avLst/>
-          </a:prstGeom>
-          <a:ln>
-            <a:tailEnd type="triangle"/>
-          </a:ln>
-        </p:spPr>
-        <p:style>
-          <a:lnRef idx="1">
-            <a:schemeClr val="dk1"/>
-          </a:lnRef>
-          <a:fillRef idx="0">
-            <a:schemeClr val="dk1"/>
-          </a:fillRef>
-          <a:effectRef idx="0">
-            <a:schemeClr val="dk1"/>
-          </a:effectRef>
-          <a:fontRef idx="minor">
-            <a:schemeClr val="tx1"/>
-          </a:fontRef>
-        </p:style>
-      </p:cxnSp>
     </p:spTree>
     <p:extLst>
       <p:ext uri="{BB962C8B-B14F-4D97-AF65-F5344CB8AC3E}">
